--- a/SolutionArch.pptx
+++ b/SolutionArch.pptx
@@ -104,6 +104,11 @@
       </a:defRPr>
     </a:lvl9pPr>
   </p:defaultTextStyle>
+  <p:extLst>
+    <p:ext uri="{EFAFB233-063F-42B5-8137-9DF3F51BA10A}">
+      <p15:sldGuideLst xmlns:p15="http://schemas.microsoft.com/office/powerpoint/2012/main"/>
+    </p:ext>
+  </p:extLst>
 </p:presentation>
 </file>
 
@@ -254,7 +259,7 @@
           <a:p>
             <a:fld id="{E8BC577A-E4FE-474F-8486-2428F73EA1CB}" type="datetimeFigureOut">
               <a:rPr lang="en-US" smtClean="0"/>
-              <a:t>9/26/18</a:t>
+              <a:t>9/28/2018</a:t>
             </a:fld>
             <a:endParaRPr lang="en-US"/>
           </a:p>
@@ -452,7 +457,7 @@
           <a:p>
             <a:fld id="{E8BC577A-E4FE-474F-8486-2428F73EA1CB}" type="datetimeFigureOut">
               <a:rPr lang="en-US" smtClean="0"/>
-              <a:t>9/26/18</a:t>
+              <a:t>9/28/2018</a:t>
             </a:fld>
             <a:endParaRPr lang="en-US"/>
           </a:p>
@@ -660,7 +665,7 @@
           <a:p>
             <a:fld id="{E8BC577A-E4FE-474F-8486-2428F73EA1CB}" type="datetimeFigureOut">
               <a:rPr lang="en-US" smtClean="0"/>
-              <a:t>9/26/18</a:t>
+              <a:t>9/28/2018</a:t>
             </a:fld>
             <a:endParaRPr lang="en-US"/>
           </a:p>
@@ -858,7 +863,7 @@
           <a:p>
             <a:fld id="{E8BC577A-E4FE-474F-8486-2428F73EA1CB}" type="datetimeFigureOut">
               <a:rPr lang="en-US" smtClean="0"/>
-              <a:t>9/26/18</a:t>
+              <a:t>9/28/2018</a:t>
             </a:fld>
             <a:endParaRPr lang="en-US"/>
           </a:p>
@@ -1133,7 +1138,7 @@
           <a:p>
             <a:fld id="{E8BC577A-E4FE-474F-8486-2428F73EA1CB}" type="datetimeFigureOut">
               <a:rPr lang="en-US" smtClean="0"/>
-              <a:t>9/26/18</a:t>
+              <a:t>9/28/2018</a:t>
             </a:fld>
             <a:endParaRPr lang="en-US"/>
           </a:p>
@@ -1398,7 +1403,7 @@
           <a:p>
             <a:fld id="{E8BC577A-E4FE-474F-8486-2428F73EA1CB}" type="datetimeFigureOut">
               <a:rPr lang="en-US" smtClean="0"/>
-              <a:t>9/26/18</a:t>
+              <a:t>9/28/2018</a:t>
             </a:fld>
             <a:endParaRPr lang="en-US"/>
           </a:p>
@@ -1810,7 +1815,7 @@
           <a:p>
             <a:fld id="{E8BC577A-E4FE-474F-8486-2428F73EA1CB}" type="datetimeFigureOut">
               <a:rPr lang="en-US" smtClean="0"/>
-              <a:t>9/26/18</a:t>
+              <a:t>9/28/2018</a:t>
             </a:fld>
             <a:endParaRPr lang="en-US"/>
           </a:p>
@@ -1951,7 +1956,7 @@
           <a:p>
             <a:fld id="{E8BC577A-E4FE-474F-8486-2428F73EA1CB}" type="datetimeFigureOut">
               <a:rPr lang="en-US" smtClean="0"/>
-              <a:t>9/26/18</a:t>
+              <a:t>9/28/2018</a:t>
             </a:fld>
             <a:endParaRPr lang="en-US"/>
           </a:p>
@@ -2064,7 +2069,7 @@
           <a:p>
             <a:fld id="{E8BC577A-E4FE-474F-8486-2428F73EA1CB}" type="datetimeFigureOut">
               <a:rPr lang="en-US" smtClean="0"/>
-              <a:t>9/26/18</a:t>
+              <a:t>9/28/2018</a:t>
             </a:fld>
             <a:endParaRPr lang="en-US"/>
           </a:p>
@@ -2375,7 +2380,7 @@
           <a:p>
             <a:fld id="{E8BC577A-E4FE-474F-8486-2428F73EA1CB}" type="datetimeFigureOut">
               <a:rPr lang="en-US" smtClean="0"/>
-              <a:t>9/26/18</a:t>
+              <a:t>9/28/2018</a:t>
             </a:fld>
             <a:endParaRPr lang="en-US"/>
           </a:p>
@@ -2663,7 +2668,7 @@
           <a:p>
             <a:fld id="{E8BC577A-E4FE-474F-8486-2428F73EA1CB}" type="datetimeFigureOut">
               <a:rPr lang="en-US" smtClean="0"/>
-              <a:t>9/26/18</a:t>
+              <a:t>9/28/2018</a:t>
             </a:fld>
             <a:endParaRPr lang="en-US"/>
           </a:p>
@@ -2904,7 +2909,7 @@
           <a:p>
             <a:fld id="{E8BC577A-E4FE-474F-8486-2428F73EA1CB}" type="datetimeFigureOut">
               <a:rPr lang="en-US" smtClean="0"/>
-              <a:t>9/26/18</a:t>
+              <a:t>9/28/2018</a:t>
             </a:fld>
             <a:endParaRPr lang="en-US"/>
           </a:p>
@@ -3307,6 +3312,14 @@
 <file path=ppt/slides/slide1.xml><?xml version="1.0" encoding="utf-8"?>
 <p:sld xmlns:a="http://schemas.openxmlformats.org/drawingml/2006/main" xmlns:r="http://schemas.openxmlformats.org/officeDocument/2006/relationships" xmlns:p="http://schemas.openxmlformats.org/presentationml/2006/main">
   <p:cSld>
+    <p:bg>
+      <p:bgPr>
+        <a:solidFill>
+          <a:schemeClr val="bg1"/>
+        </a:solidFill>
+        <a:effectLst/>
+      </p:bgPr>
+    </p:bg>
     <p:spTree>
       <p:nvGrpSpPr>
         <p:cNvPr id="1" name=""/>
@@ -3341,7 +3354,12 @@
           <a:prstGeom prst="rect">
             <a:avLst/>
           </a:prstGeom>
-          <a:noFill/>
+          <a:solidFill>
+            <a:schemeClr val="accent6">
+              <a:lumMod val="60000"/>
+              <a:lumOff val="40000"/>
+            </a:schemeClr>
+          </a:solidFill>
         </p:spPr>
         <p:style>
           <a:lnRef idx="2">
@@ -3370,7 +3388,7 @@
                   <a:schemeClr val="tx1"/>
                 </a:solidFill>
               </a:rPr>
-              <a:t>Telegram</a:t>
+              <a:t>UI</a:t>
             </a:r>
           </a:p>
         </p:txBody>
@@ -3395,7 +3413,12 @@
           <a:prstGeom prst="rect">
             <a:avLst/>
           </a:prstGeom>
-          <a:noFill/>
+          <a:solidFill>
+            <a:schemeClr val="accent4">
+              <a:lumMod val="60000"/>
+              <a:lumOff val="40000"/>
+            </a:schemeClr>
+          </a:solidFill>
         </p:spPr>
         <p:style>
           <a:lnRef idx="2">
@@ -3424,7 +3447,7 @@
                   <a:schemeClr val="tx1"/>
                 </a:solidFill>
               </a:rPr>
-              <a:t>Bot Framework</a:t>
+              <a:t>Node Code</a:t>
             </a:r>
           </a:p>
         </p:txBody>
@@ -3449,7 +3472,12 @@
           <a:prstGeom prst="rect">
             <a:avLst/>
           </a:prstGeom>
-          <a:noFill/>
+          <a:solidFill>
+            <a:schemeClr val="accent5">
+              <a:lumMod val="60000"/>
+              <a:lumOff val="40000"/>
+            </a:schemeClr>
+          </a:solidFill>
         </p:spPr>
         <p:style>
           <a:lnRef idx="2">
@@ -3503,7 +3531,12 @@
           <a:prstGeom prst="rect">
             <a:avLst/>
           </a:prstGeom>
-          <a:noFill/>
+          <a:solidFill>
+            <a:schemeClr val="accent2">
+              <a:lumMod val="60000"/>
+              <a:lumOff val="40000"/>
+            </a:schemeClr>
+          </a:solidFill>
         </p:spPr>
         <p:style>
           <a:lnRef idx="2">
@@ -3532,21 +3565,8 @@
                   <a:schemeClr val="tx1"/>
                 </a:solidFill>
               </a:rPr>
-              <a:t>Cosmos </a:t>
-            </a:r>
-            <a:r>
-              <a:rPr lang="en-US" dirty="0" err="1">
-                <a:solidFill>
-                  <a:schemeClr val="tx1"/>
-                </a:solidFill>
-              </a:rPr>
-              <a:t>GraphDB</a:t>
-            </a:r>
-            <a:endParaRPr lang="en-US" dirty="0">
-              <a:solidFill>
-                <a:schemeClr val="tx1"/>
-              </a:solidFill>
-            </a:endParaRPr>
+              <a:t>Cosmos GraphDB</a:t>
+            </a:r>
           </a:p>
         </p:txBody>
       </p:sp>
@@ -3604,8 +3624,21 @@
                   <a:schemeClr val="tx1"/>
                 </a:solidFill>
               </a:rPr>
-              <a:t>Ingest Recipe Data TBD</a:t>
-            </a:r>
+              <a:t>Ingest Recipe Data </a:t>
+            </a:r>
+            <a:r>
+              <a:rPr lang="en-US" dirty="0" err="1">
+                <a:solidFill>
+                  <a:schemeClr val="tx1"/>
+                </a:solidFill>
+              </a:rPr>
+              <a:t>.Net</a:t>
+            </a:r>
+            <a:endParaRPr lang="en-US" dirty="0">
+              <a:solidFill>
+                <a:schemeClr val="tx1"/>
+              </a:solidFill>
+            </a:endParaRPr>
           </a:p>
         </p:txBody>
       </p:sp>
@@ -4146,6 +4179,66 @@
           </a:fontRef>
         </p:style>
       </p:cxnSp>
+      <p:pic>
+        <p:nvPicPr>
+          <p:cNvPr id="3" name="Picture 2">
+            <a:extLst>
+              <a:ext uri="{FF2B5EF4-FFF2-40B4-BE49-F238E27FC236}">
+                <a16:creationId xmlns:a16="http://schemas.microsoft.com/office/drawing/2014/main" id="{784A7FF2-69B4-4BDB-8533-F782C8515403}"/>
+              </a:ext>
+            </a:extLst>
+          </p:cNvPr>
+          <p:cNvPicPr>
+            <a:picLocks noChangeAspect="1"/>
+          </p:cNvPicPr>
+          <p:nvPr/>
+        </p:nvPicPr>
+        <p:blipFill>
+          <a:blip r:embed="rId2"/>
+          <a:stretch>
+            <a:fillRect/>
+          </a:stretch>
+        </p:blipFill>
+        <p:spPr>
+          <a:xfrm>
+            <a:off x="5143456" y="5491845"/>
+            <a:ext cx="968755" cy="1339034"/>
+          </a:xfrm>
+          <a:prstGeom prst="rect">
+            <a:avLst/>
+          </a:prstGeom>
+        </p:spPr>
+      </p:pic>
+      <p:pic>
+        <p:nvPicPr>
+          <p:cNvPr id="10" name="Picture 9" descr="A picture containing clipart&#10;&#10;Description generated with high confidence">
+            <a:extLst>
+              <a:ext uri="{FF2B5EF4-FFF2-40B4-BE49-F238E27FC236}">
+                <a16:creationId xmlns:a16="http://schemas.microsoft.com/office/drawing/2014/main" id="{364E6173-A50F-4929-984D-BB450305C5D1}"/>
+              </a:ext>
+            </a:extLst>
+          </p:cNvPr>
+          <p:cNvPicPr>
+            <a:picLocks noChangeAspect="1"/>
+          </p:cNvPicPr>
+          <p:nvPr/>
+        </p:nvPicPr>
+        <p:blipFill>
+          <a:blip r:embed="rId3"/>
+          <a:stretch>
+            <a:fillRect/>
+          </a:stretch>
+        </p:blipFill>
+        <p:spPr>
+          <a:xfrm>
+            <a:off x="3630440" y="5491845"/>
+            <a:ext cx="1060121" cy="1280857"/>
+          </a:xfrm>
+          <a:prstGeom prst="rect">
+            <a:avLst/>
+          </a:prstGeom>
+        </p:spPr>
+      </p:pic>
     </p:spTree>
     <p:extLst>
       <p:ext uri="{BB962C8B-B14F-4D97-AF65-F5344CB8AC3E}">
